--- a/SE2018春-G18-需求分析.pptx
+++ b/SE2018春-G18-需求分析.pptx
@@ -18244,7 +18244,7 @@
       </p:sp>
       <p:pic>
         <p:nvPicPr>
-          <p:cNvPr id="-2147482623" name="图片 4"/>
+          <p:cNvPr id="2" name="图片 4"/>
           <p:cNvPicPr>
             <a:picLocks noChangeAspect="1"/>
           </p:cNvPicPr>
@@ -19601,7 +19601,7 @@
       </p:sp>
       <p:pic>
         <p:nvPicPr>
-          <p:cNvPr id="-2147482621" name="图片 2" descr="220645536926879074"/>
+          <p:cNvPr id="2" name="图片 2" descr="220645536926879074"/>
           <p:cNvPicPr>
             <a:picLocks noChangeAspect="1"/>
           </p:cNvPicPr>
@@ -19966,17 +19966,7 @@
                 <a:latin typeface="华文琥珀" panose="02010800040101010101" charset="-122"/>
                 <a:ea typeface="华文琥珀" panose="02010800040101010101" charset="-122"/>
               </a:rPr>
-              <a:t>积分</a:t>
-            </a:r>
-            <a:r>
-              <a:rPr lang="zh-CN" altLang="en-US" sz="1600">
-                <a:solidFill>
-                  <a:srgbClr val="00B0F0"/>
-                </a:solidFill>
-                <a:latin typeface="华文琥珀" panose="02010800040101010101" charset="-122"/>
-                <a:ea typeface="华文琥珀" panose="02010800040101010101" charset="-122"/>
-              </a:rPr>
-              <a:t>信息</a:t>
+              <a:t>积分信息</a:t>
             </a:r>
             <a:endParaRPr lang="zh-CN" altLang="en-US" sz="1400"/>
           </a:p>
@@ -20032,17 +20022,7 @@
                 <a:latin typeface="华文琥珀" panose="02010800040101010101" charset="-122"/>
                 <a:ea typeface="华文琥珀" panose="02010800040101010101" charset="-122"/>
               </a:rPr>
-              <a:t>关卡</a:t>
-            </a:r>
-            <a:r>
-              <a:rPr lang="zh-CN" altLang="en-US" sz="1600">
-                <a:solidFill>
-                  <a:srgbClr val="00B0F0"/>
-                </a:solidFill>
-                <a:latin typeface="华文琥珀" panose="02010800040101010101" charset="-122"/>
-                <a:ea typeface="华文琥珀" panose="02010800040101010101" charset="-122"/>
-              </a:rPr>
-              <a:t>信息</a:t>
+              <a:t>关卡信息</a:t>
             </a:r>
             <a:endParaRPr lang="zh-CN" altLang="en-US" sz="1400"/>
           </a:p>
@@ -23421,7 +23401,7 @@
                 <a:latin typeface="微软雅黑" panose="020B0503020204020204" pitchFamily="34" charset="-122"/>
                 <a:ea typeface="微软雅黑" panose="020B0503020204020204" pitchFamily="34" charset="-122"/>
               </a:rPr>
-              <a:t>05</a:t>
+              <a:t>06</a:t>
             </a:r>
             <a:endParaRPr lang="zh-CN" altLang="en-US" sz="1500" dirty="0">
               <a:solidFill>
@@ -30491,29 +30471,7 @@
                 <a:ea typeface="微软雅黑" panose="020B0503020204020204" pitchFamily="34" charset="-122"/>
                 <a:sym typeface="Arial" panose="020B0604020202020204" pitchFamily="34" charset="0"/>
               </a:rPr>
-              <a:t>关卡结束后会获取</a:t>
-            </a:r>
-            <a:r>
-              <a:rPr lang="zh-CN" sz="1200" dirty="0">
-                <a:solidFill>
-                  <a:srgbClr val="000000"/>
-                </a:solidFill>
-                <a:latin typeface="Arial" panose="020B0604020202020204" pitchFamily="34" charset="0"/>
-                <a:ea typeface="微软雅黑" panose="020B0503020204020204" pitchFamily="34" charset="-122"/>
-                <a:sym typeface="Arial" panose="020B0604020202020204" pitchFamily="34" charset="0"/>
-              </a:rPr>
-              <a:t>玩家获得</a:t>
-            </a:r>
-            <a:r>
-              <a:rPr lang="zh-CN" sz="1200" dirty="0">
-                <a:solidFill>
-                  <a:srgbClr val="000000"/>
-                </a:solidFill>
-                <a:latin typeface="Arial" panose="020B0604020202020204" pitchFamily="34" charset="0"/>
-                <a:ea typeface="微软雅黑" panose="020B0503020204020204" pitchFamily="34" charset="-122"/>
-                <a:sym typeface="Arial" panose="020B0604020202020204" pitchFamily="34" charset="0"/>
-              </a:rPr>
-              <a:t>的积分以及通关时间</a:t>
+              <a:t>关卡结束后会获取玩家获得的积分以及通关时间</a:t>
             </a:r>
             <a:endParaRPr lang="zh-CN" sz="1200" dirty="0">
               <a:solidFill>
